--- a/Lecture Notes-Slides/Lecture 9-Logistic Regression_Part II.pptx
+++ b/Lecture Notes-Slides/Lecture 9-Logistic Regression_Part II.pptx
@@ -206,7 +206,7 @@
           <a:p>
             <a:fld id="{222211BB-A07F-B348-8571-5BFD2D5751F6}" type="datetimeFigureOut">
               <a:rPr lang="en-US" smtClean="0"/>
-              <a:t>7/9/16</a:t>
+              <a:t>7/11/16</a:t>
             </a:fld>
             <a:endParaRPr lang="en-US"/>
           </a:p>
@@ -669,7 +669,7 @@
             <a:fld id="{04AF466F-BDA4-4F18-9C7B-FF0A9A1B0E80}" type="datetime1">
               <a:rPr lang="en-US" smtClean="0"/>
               <a:pPr/>
-              <a:t>7/9/16</a:t>
+              <a:t>7/11/16</a:t>
             </a:fld>
             <a:endParaRPr lang="en-US"/>
           </a:p>
@@ -836,7 +836,7 @@
             <a:fld id="{58FB4290-6522-4139-852E-05BD9E7F0D2E}" type="datetime1">
               <a:rPr lang="en-US" smtClean="0"/>
               <a:pPr/>
-              <a:t>7/9/16</a:t>
+              <a:t>7/11/16</a:t>
             </a:fld>
             <a:endParaRPr lang="en-US"/>
           </a:p>
@@ -1013,7 +1013,7 @@
             <a:fld id="{AAB955F9-81EA-47C5-8059-9E5C2B437C70}" type="datetime1">
               <a:rPr lang="en-US" smtClean="0"/>
               <a:pPr/>
-              <a:t>7/9/16</a:t>
+              <a:t>7/11/16</a:t>
             </a:fld>
             <a:endParaRPr lang="en-US"/>
           </a:p>
@@ -1180,7 +1180,7 @@
             <a:fld id="{1CEF607B-A47E-422C-9BEF-122CCDB7C526}" type="datetime1">
               <a:rPr lang="en-US" smtClean="0"/>
               <a:pPr/>
-              <a:t>7/9/16</a:t>
+              <a:t>7/11/16</a:t>
             </a:fld>
             <a:endParaRPr lang="en-US"/>
           </a:p>
@@ -1423,7 +1423,7 @@
             <a:fld id="{63A9A7CB-BEE6-4F99-898E-913F06E8E125}" type="datetime1">
               <a:rPr lang="en-US" smtClean="0"/>
               <a:pPr/>
-              <a:t>7/9/16</a:t>
+              <a:t>7/11/16</a:t>
             </a:fld>
             <a:endParaRPr lang="en-US"/>
           </a:p>
@@ -1708,7 +1708,7 @@
             <a:fld id="{B6EE300C-6FC5-4FC3-AF1A-075E4F50620D}" type="datetime1">
               <a:rPr lang="en-US" smtClean="0"/>
               <a:pPr/>
-              <a:t>7/9/16</a:t>
+              <a:t>7/11/16</a:t>
             </a:fld>
             <a:endParaRPr lang="en-US"/>
           </a:p>
@@ -2139,7 +2139,7 @@
             <a:fld id="{F50D295D-4A77-4DEB-B04C-9F4282A8BC04}" type="datetime1">
               <a:rPr lang="en-US" smtClean="0"/>
               <a:pPr/>
-              <a:t>7/9/16</a:t>
+              <a:t>7/11/16</a:t>
             </a:fld>
             <a:endParaRPr lang="en-US"/>
           </a:p>
@@ -2254,7 +2254,7 @@
             <a:fld id="{02B28685-4D0C-42D5-8013-B5904CD1FCBC}" type="datetime1">
               <a:rPr lang="en-US" smtClean="0"/>
               <a:pPr/>
-              <a:t>7/9/16</a:t>
+              <a:t>7/11/16</a:t>
             </a:fld>
             <a:endParaRPr lang="en-US"/>
           </a:p>
@@ -2346,7 +2346,7 @@
             <a:fld id="{FDF226C0-9885-4BA9-BBFA-A52CBFEBB775}" type="datetime1">
               <a:rPr lang="en-US" smtClean="0"/>
               <a:pPr/>
-              <a:t>7/9/16</a:t>
+              <a:t>7/11/16</a:t>
             </a:fld>
             <a:endParaRPr lang="en-US"/>
           </a:p>
@@ -2537,7 +2537,7 @@
             <a:fld id="{EBEE1B38-C5EB-4D66-9137-0AFE9CDEDE8F}" type="datetime1">
               <a:rPr lang="en-US" smtClean="0"/>
               <a:pPr/>
-              <a:t>7/9/16</a:t>
+              <a:t>7/11/16</a:t>
             </a:fld>
             <a:endParaRPr lang="en-US"/>
           </a:p>
@@ -2857,7 +2857,7 @@
             <a:fld id="{327B613C-1AD7-49D3-885D-F654C5CDBAA6}" type="datetime1">
               <a:rPr lang="en-US" smtClean="0"/>
               <a:pPr/>
-              <a:t>7/9/16</a:t>
+              <a:t>7/11/16</a:t>
             </a:fld>
             <a:endParaRPr lang="en-US" dirty="0"/>
           </a:p>
@@ -3239,7 +3239,7 @@
             <a:fld id="{327B613C-1AD7-49D3-885D-F654C5CDBAA6}" type="datetime1">
               <a:rPr lang="en-US" smtClean="0"/>
               <a:pPr/>
-              <a:t>7/9/16</a:t>
+              <a:t>7/11/16</a:t>
             </a:fld>
             <a:endParaRPr lang="en-US" dirty="0"/>
           </a:p>
@@ -4868,13 +4868,8 @@
           <a:p>
             <a:r>
               <a:rPr lang="en-US" dirty="0" smtClean="0"/>
-              <a:t>FP/FN/TP/TN/FPR/</a:t>
-            </a:r>
-            <a:r>
-              <a:rPr lang="en-US" dirty="0" smtClean="0"/>
-              <a:t>TPR/FNR</a:t>
-            </a:r>
-            <a:endParaRPr lang="en-US" dirty="0" smtClean="0"/>
+              <a:t>FP/FN/TP/TN/FPR/TPR/FNR</a:t>
+            </a:r>
           </a:p>
           <a:p>
             <a:r>
@@ -4901,11 +4896,7 @@
             </a:r>
             <a:r>
               <a:rPr lang="en-US" smtClean="0"/>
-              <a:t>classification </a:t>
-            </a:r>
-            <a:r>
-              <a:rPr lang="en-US" smtClean="0"/>
-              <a:t>algorithms</a:t>
+              <a:t>classification algorithms</a:t>
             </a:r>
             <a:endParaRPr lang="en-US" dirty="0" smtClean="0"/>
           </a:p>
@@ -5754,15 +5745,7 @@
             </a:pPr>
             <a:r>
               <a:rPr lang="en-US" dirty="0" smtClean="0"/>
-              <a:t>Of the true No’s, we make 23/9667 = 0.2% errors; of the true Yes’s, we make </a:t>
-            </a:r>
-            <a:r>
-              <a:rPr lang="en-US" dirty="0" smtClean="0"/>
-              <a:t>252</a:t>
-            </a:r>
-            <a:r>
-              <a:rPr lang="en-US" dirty="0" smtClean="0"/>
-              <a:t>/333 = 75.7% errors!</a:t>
+              <a:t>Of the true No’s, we make 23/9667 = 0.2% errors; of the true Yes’s, we make 252/333 = 75.7% errors!</a:t>
             </a:r>
           </a:p>
         </p:txBody>
@@ -7212,7 +7195,7 @@
         <p:spPr>
           <a:xfrm>
             <a:off x="698500" y="3644680"/>
-            <a:ext cx="6731000" cy="2308324"/>
+            <a:ext cx="6731000" cy="1477328"/>
           </a:xfrm>
           <a:prstGeom prst="rect">
             <a:avLst/>
@@ -7227,43 +7210,21 @@
           <a:p>
             <a:r>
               <a:rPr lang="en-US" dirty="0" smtClean="0"/>
-              <a:t>False </a:t>
+              <a:t>(</a:t>
             </a:r>
             <a:r>
               <a:rPr lang="en-US" dirty="0" smtClean="0"/>
-              <a:t>Positive Rate = </a:t>
+              <a:t>From those who did default 75.6% mistakenly predicted that they would not default)</a:t>
+            </a:r>
+          </a:p>
+          <a:p>
+            <a:r>
+              <a:rPr lang="en-US" smtClean="0"/>
+              <a:t>(</a:t>
             </a:r>
             <a:r>
               <a:rPr lang="en-US" dirty="0" smtClean="0"/>
-              <a:t>252/333 = 75.6%</a:t>
-            </a:r>
-          </a:p>
-          <a:p>
-            <a:r>
-              <a:rPr lang="en-US" dirty="0" smtClean="0"/>
-              <a:t>(From those who did default 75.6% mistakenly predicted that they would not default)</a:t>
-            </a:r>
-          </a:p>
-          <a:p>
-            <a:r>
-              <a:rPr lang="en-US" dirty="0" smtClean="0"/>
-              <a:t>True Positive Rate = 9644/9667 = 99.76%</a:t>
-            </a:r>
-            <a:r>
-              <a:rPr lang="en-US" dirty="0" smtClean="0"/>
-              <a:t> </a:t>
-            </a:r>
-          </a:p>
-          <a:p>
-            <a:r>
-              <a:rPr lang="en-US" dirty="0" smtClean="0"/>
-              <a:t>False Negative Rate = 23 / 9667 = 0.24%</a:t>
-            </a:r>
-          </a:p>
-          <a:p>
-            <a:r>
-              <a:rPr lang="en-US" dirty="0" smtClean="0"/>
-              <a:t>(From Those who did not default, only 0.24% were mistakenly predicted to default.)</a:t>
+              <a:t>From Those who did not default, only 0.24% were mistakenly predicted to default.)</a:t>
             </a:r>
           </a:p>
           <a:p>

--- a/Lecture Notes-Slides/Lecture 9-Logistic Regression_Part II.pptx
+++ b/Lecture Notes-Slides/Lecture 9-Logistic Regression_Part II.pptx
@@ -206,7 +206,7 @@
           <a:p>
             <a:fld id="{222211BB-A07F-B348-8571-5BFD2D5751F6}" type="datetimeFigureOut">
               <a:rPr lang="en-US" smtClean="0"/>
-              <a:t>7/11/16</a:t>
+              <a:t>7/12/16</a:t>
             </a:fld>
             <a:endParaRPr lang="en-US"/>
           </a:p>
@@ -669,7 +669,7 @@
             <a:fld id="{04AF466F-BDA4-4F18-9C7B-FF0A9A1B0E80}" type="datetime1">
               <a:rPr lang="en-US" smtClean="0"/>
               <a:pPr/>
-              <a:t>7/11/16</a:t>
+              <a:t>7/12/16</a:t>
             </a:fld>
             <a:endParaRPr lang="en-US"/>
           </a:p>
@@ -836,7 +836,7 @@
             <a:fld id="{58FB4290-6522-4139-852E-05BD9E7F0D2E}" type="datetime1">
               <a:rPr lang="en-US" smtClean="0"/>
               <a:pPr/>
-              <a:t>7/11/16</a:t>
+              <a:t>7/12/16</a:t>
             </a:fld>
             <a:endParaRPr lang="en-US"/>
           </a:p>
@@ -1013,7 +1013,7 @@
             <a:fld id="{AAB955F9-81EA-47C5-8059-9E5C2B437C70}" type="datetime1">
               <a:rPr lang="en-US" smtClean="0"/>
               <a:pPr/>
-              <a:t>7/11/16</a:t>
+              <a:t>7/12/16</a:t>
             </a:fld>
             <a:endParaRPr lang="en-US"/>
           </a:p>
@@ -1180,7 +1180,7 @@
             <a:fld id="{1CEF607B-A47E-422C-9BEF-122CCDB7C526}" type="datetime1">
               <a:rPr lang="en-US" smtClean="0"/>
               <a:pPr/>
-              <a:t>7/11/16</a:t>
+              <a:t>7/12/16</a:t>
             </a:fld>
             <a:endParaRPr lang="en-US"/>
           </a:p>
@@ -1423,7 +1423,7 @@
             <a:fld id="{63A9A7CB-BEE6-4F99-898E-913F06E8E125}" type="datetime1">
               <a:rPr lang="en-US" smtClean="0"/>
               <a:pPr/>
-              <a:t>7/11/16</a:t>
+              <a:t>7/12/16</a:t>
             </a:fld>
             <a:endParaRPr lang="en-US"/>
           </a:p>
@@ -1708,7 +1708,7 @@
             <a:fld id="{B6EE300C-6FC5-4FC3-AF1A-075E4F50620D}" type="datetime1">
               <a:rPr lang="en-US" smtClean="0"/>
               <a:pPr/>
-              <a:t>7/11/16</a:t>
+              <a:t>7/12/16</a:t>
             </a:fld>
             <a:endParaRPr lang="en-US"/>
           </a:p>
@@ -2139,7 +2139,7 @@
             <a:fld id="{F50D295D-4A77-4DEB-B04C-9F4282A8BC04}" type="datetime1">
               <a:rPr lang="en-US" smtClean="0"/>
               <a:pPr/>
-              <a:t>7/11/16</a:t>
+              <a:t>7/12/16</a:t>
             </a:fld>
             <a:endParaRPr lang="en-US"/>
           </a:p>
@@ -2254,7 +2254,7 @@
             <a:fld id="{02B28685-4D0C-42D5-8013-B5904CD1FCBC}" type="datetime1">
               <a:rPr lang="en-US" smtClean="0"/>
               <a:pPr/>
-              <a:t>7/11/16</a:t>
+              <a:t>7/12/16</a:t>
             </a:fld>
             <a:endParaRPr lang="en-US"/>
           </a:p>
@@ -2346,7 +2346,7 @@
             <a:fld id="{FDF226C0-9885-4BA9-BBFA-A52CBFEBB775}" type="datetime1">
               <a:rPr lang="en-US" smtClean="0"/>
               <a:pPr/>
-              <a:t>7/11/16</a:t>
+              <a:t>7/12/16</a:t>
             </a:fld>
             <a:endParaRPr lang="en-US"/>
           </a:p>
@@ -2537,7 +2537,7 @@
             <a:fld id="{EBEE1B38-C5EB-4D66-9137-0AFE9CDEDE8F}" type="datetime1">
               <a:rPr lang="en-US" smtClean="0"/>
               <a:pPr/>
-              <a:t>7/11/16</a:t>
+              <a:t>7/12/16</a:t>
             </a:fld>
             <a:endParaRPr lang="en-US"/>
           </a:p>
@@ -2857,7 +2857,7 @@
             <a:fld id="{327B613C-1AD7-49D3-885D-F654C5CDBAA6}" type="datetime1">
               <a:rPr lang="en-US" smtClean="0"/>
               <a:pPr/>
-              <a:t>7/11/16</a:t>
+              <a:t>7/12/16</a:t>
             </a:fld>
             <a:endParaRPr lang="en-US" dirty="0"/>
           </a:p>
@@ -3239,7 +3239,7 @@
             <a:fld id="{327B613C-1AD7-49D3-885D-F654C5CDBAA6}" type="datetime1">
               <a:rPr lang="en-US" smtClean="0"/>
               <a:pPr/>
-              <a:t>7/11/16</a:t>
+              <a:t>7/12/16</a:t>
             </a:fld>
             <a:endParaRPr lang="en-US" dirty="0"/>
           </a:p>
@@ -3679,7 +3679,11 @@
           <a:p>
             <a:r>
               <a:rPr lang="en-US" dirty="0" smtClean="0"/>
-              <a:t>Varying the Threshold</a:t>
+              <a:t>Varying the </a:t>
+            </a:r>
+            <a:r>
+              <a:rPr lang="en-US" dirty="0" smtClean="0"/>
+              <a:t>Threshold (Spam/Ham Example)</a:t>
             </a:r>
             <a:endParaRPr lang="en-US" dirty="0"/>
           </a:p>
@@ -3687,7 +3691,7 @@
       </p:sp>
       <p:pic>
         <p:nvPicPr>
-          <p:cNvPr id="4" name="Content Placeholder 3" descr="Screen Shot 2016-02-27 at 8.30.12 PM.png"/>
+          <p:cNvPr id="5" name="Content Placeholder 4" descr="wBh0IwBwfKmcgAAAABJRU5ErkJggg==.png"/>
           <p:cNvPicPr>
             <a:picLocks noGrp="1" noChangeAspect="1"/>
           </p:cNvPicPr>
@@ -3703,7 +3707,7 @@
               </a:ext>
             </a:extLst>
           </a:blip>
-          <a:srcRect l="1633" r="1633"/>
+          <a:srcRect l="-3798" r="-3798"/>
           <a:stretch>
             <a:fillRect/>
           </a:stretch>
@@ -3723,75 +3727,7 @@
   <p:timing>
     <p:tnLst>
       <p:par>
-        <p:cTn xmlns:p14="http://schemas.microsoft.com/office/powerpoint/2010/main" id="1" dur="indefinite" restart="never" nodeType="tmRoot">
-          <p:childTnLst>
-            <p:seq concurrent="1" nextAc="seek">
-              <p:cTn id="2" dur="indefinite" nodeType="mainSeq">
-                <p:childTnLst>
-                  <p:par>
-                    <p:cTn id="3" fill="hold">
-                      <p:stCondLst>
-                        <p:cond delay="indefinite"/>
-                      </p:stCondLst>
-                      <p:childTnLst>
-                        <p:par>
-                          <p:cTn id="4" fill="hold">
-                            <p:stCondLst>
-                              <p:cond delay="0"/>
-                            </p:stCondLst>
-                            <p:childTnLst>
-                              <p:par>
-                                <p:cTn id="5" presetID="1" presetClass="entr" presetSubtype="0" fill="hold" nodeType="clickEffect">
-                                  <p:stCondLst>
-                                    <p:cond delay="0"/>
-                                  </p:stCondLst>
-                                  <p:childTnLst>
-                                    <p:set>
-                                      <p:cBhvr>
-                                        <p:cTn id="6" dur="1" fill="hold">
-                                          <p:stCondLst>
-                                            <p:cond delay="0"/>
-                                          </p:stCondLst>
-                                        </p:cTn>
-                                        <p:tgtEl>
-                                          <p:spTgt spid="4"/>
-                                        </p:tgtEl>
-                                        <p:attrNameLst>
-                                          <p:attrName>style.visibility</p:attrName>
-                                        </p:attrNameLst>
-                                      </p:cBhvr>
-                                      <p:to>
-                                        <p:strVal val="visible"/>
-                                      </p:to>
-                                    </p:set>
-                                  </p:childTnLst>
-                                </p:cTn>
-                              </p:par>
-                            </p:childTnLst>
-                          </p:cTn>
-                        </p:par>
-                      </p:childTnLst>
-                    </p:cTn>
-                  </p:par>
-                </p:childTnLst>
-              </p:cTn>
-              <p:prevCondLst>
-                <p:cond evt="onPrev" delay="0">
-                  <p:tgtEl>
-                    <p:sldTgt/>
-                  </p:tgtEl>
-                </p:cond>
-              </p:prevCondLst>
-              <p:nextCondLst>
-                <p:cond evt="onNext" delay="0">
-                  <p:tgtEl>
-                    <p:sldTgt/>
-                  </p:tgtEl>
-                </p:cond>
-              </p:nextCondLst>
-            </p:seq>
-          </p:childTnLst>
-        </p:cTn>
+        <p:cTn xmlns:p14="http://schemas.microsoft.com/office/powerpoint/2010/main" id="1" dur="indefinite" restart="never" nodeType="tmRoot"/>
       </p:par>
     </p:tnLst>
   </p:timing>
@@ -7210,11 +7146,7 @@
           <a:p>
             <a:r>
               <a:rPr lang="en-US" dirty="0" smtClean="0"/>
-              <a:t>(</a:t>
-            </a:r>
-            <a:r>
-              <a:rPr lang="en-US" dirty="0" smtClean="0"/>
-              <a:t>From those who did default 75.6% mistakenly predicted that they would not default)</a:t>
+              <a:t>(From those who did default 75.6% mistakenly predicted that they would not default)</a:t>
             </a:r>
           </a:p>
           <a:p>
